--- a/presentation.pptx
+++ b/presentation.pptx
@@ -8,8 +8,9 @@
     <p:sldId id="256" r:id="rId2"/>
     <p:sldId id="257" r:id="rId3"/>
     <p:sldId id="258" r:id="rId4"/>
-    <p:sldId id="260" r:id="rId5"/>
-    <p:sldId id="259" r:id="rId6"/>
+    <p:sldId id="261" r:id="rId5"/>
+    <p:sldId id="260" r:id="rId6"/>
+    <p:sldId id="259" r:id="rId7"/>
   </p:sldIdLst>
   <p:sldSz cx="12192000" cy="6858000"/>
   <p:notesSz cx="6858000" cy="9144000"/>
@@ -108,6 +109,11 @@
       </a:defRPr>
     </a:lvl9pPr>
   </p:defaultTextStyle>
+  <p:extLst>
+    <p:ext uri="{EFAFB233-063F-42B5-8137-9DF3F51BA10A}">
+      <p15:sldGuideLst xmlns:p15="http://schemas.microsoft.com/office/powerpoint/2012/main"/>
+    </p:ext>
+  </p:extLst>
 </p:presentation>
 </file>
 
@@ -13310,16 +13316,28 @@
         <p:spPr>
           <a:xfrm>
             <a:off x="714894" y="5334333"/>
-            <a:ext cx="8825658" cy="861420"/>
+            <a:ext cx="9953106" cy="861420"/>
           </a:xfrm>
         </p:spPr>
         <p:txBody>
-          <a:bodyPr/>
+          <a:bodyPr>
+            <a:normAutofit/>
+          </a:bodyPr>
           <a:lstStyle/>
           <a:p>
             <a:r>
               <a:rPr lang="en-US" b="1" i="1" dirty="0"/>
               <a:t>Created By: Yi, Andy, Joe, &amp; Claire</a:t>
+            </a:r>
+          </a:p>
+          <a:p>
+            <a:r>
+              <a:rPr lang="en-US" b="1" i="1" dirty="0" err="1"/>
+              <a:t>Github</a:t>
+            </a:r>
+            <a:r>
+              <a:rPr lang="en-US" b="1" i="1" dirty="0"/>
+              <a:t>: https://github.com/josephkniest/ready-hacker-one-web-service</a:t>
             </a:r>
           </a:p>
         </p:txBody>
@@ -13488,7 +13506,7 @@
               <a:buChar char="•"/>
             </a:pPr>
             <a:r>
-              <a:rPr lang="en-US" sz="2800" b="1"/>
+              <a:rPr lang="en-US" sz="2800" b="1" dirty="0"/>
               <a:t>Build an ordering system for Bonnie’s Famous Vegan Diner in under 24 hours</a:t>
             </a:r>
           </a:p>
@@ -13498,7 +13516,7 @@
               <a:buChar char="•"/>
             </a:pPr>
             <a:r>
-              <a:rPr lang="en-US" sz="2800" b="1"/>
+              <a:rPr lang="en-US" sz="2800" b="1" dirty="0"/>
               <a:t>Meet all of the business requirements</a:t>
             </a:r>
           </a:p>
@@ -13508,10 +13526,47 @@
               <a:buChar char="•"/>
             </a:pPr>
             <a:r>
-              <a:rPr lang="en-US" sz="2800" b="1"/>
+              <a:rPr lang="en-US" sz="2800" b="1" dirty="0"/>
               <a:t>Simultaneous food service &amp; world domination</a:t>
             </a:r>
-            <a:endParaRPr lang="en-US" sz="2800" b="1" dirty="0"/>
+          </a:p>
+        </p:txBody>
+      </p:sp>
+      <p:sp>
+        <p:nvSpPr>
+          <p:cNvPr id="2" name="Rectangle 1">
+            <a:extLst>
+              <a:ext uri="{FF2B5EF4-FFF2-40B4-BE49-F238E27FC236}">
+                <a16:creationId xmlns:a16="http://schemas.microsoft.com/office/drawing/2014/main" id="{7F54F17C-F068-45B6-9DB8-C4DF1E192DCD}"/>
+              </a:ext>
+            </a:extLst>
+          </p:cNvPr>
+          <p:cNvSpPr/>
+          <p:nvPr/>
+        </p:nvSpPr>
+        <p:spPr>
+          <a:xfrm>
+            <a:off x="5722455" y="6458988"/>
+            <a:ext cx="6836228" cy="307777"/>
+          </a:xfrm>
+          <a:prstGeom prst="rect">
+            <a:avLst/>
+          </a:prstGeom>
+        </p:spPr>
+        <p:txBody>
+          <a:bodyPr wrap="square">
+            <a:spAutoFit/>
+          </a:bodyPr>
+          <a:lstStyle/>
+          <a:p>
+            <a:r>
+              <a:rPr lang="en-US" sz="1400" b="1" i="1" dirty="0" err="1"/>
+              <a:t>Github</a:t>
+            </a:r>
+            <a:r>
+              <a:rPr lang="en-US" sz="1400" b="1" i="1" dirty="0"/>
+              <a:t>: https://github.com/josephkniest/ready-hacker-one-web-service</a:t>
+            </a:r>
           </a:p>
         </p:txBody>
       </p:sp>
@@ -13820,6 +13875,44 @@
           </a:prstGeom>
         </p:spPr>
       </p:pic>
+      <p:sp>
+        <p:nvSpPr>
+          <p:cNvPr id="6" name="Rectangle 5">
+            <a:extLst>
+              <a:ext uri="{FF2B5EF4-FFF2-40B4-BE49-F238E27FC236}">
+                <a16:creationId xmlns:a16="http://schemas.microsoft.com/office/drawing/2014/main" id="{871690FA-EE8D-486F-9ED3-0D429223DF19}"/>
+              </a:ext>
+            </a:extLst>
+          </p:cNvPr>
+          <p:cNvSpPr/>
+          <p:nvPr/>
+        </p:nvSpPr>
+        <p:spPr>
+          <a:xfrm>
+            <a:off x="5614892" y="6475613"/>
+            <a:ext cx="6836228" cy="307777"/>
+          </a:xfrm>
+          <a:prstGeom prst="rect">
+            <a:avLst/>
+          </a:prstGeom>
+        </p:spPr>
+        <p:txBody>
+          <a:bodyPr wrap="square">
+            <a:spAutoFit/>
+          </a:bodyPr>
+          <a:lstStyle/>
+          <a:p>
+            <a:r>
+              <a:rPr lang="en-US" sz="1400" b="1" i="1" dirty="0" err="1"/>
+              <a:t>Github</a:t>
+            </a:r>
+            <a:r>
+              <a:rPr lang="en-US" sz="1400" b="1" i="1" dirty="0"/>
+              <a:t>: https://github.com/josephkniest/ready-hacker-one-web-service</a:t>
+            </a:r>
+          </a:p>
+        </p:txBody>
+      </p:sp>
     </p:spTree>
     <p:extLst>
       <p:ext uri="{BB962C8B-B14F-4D97-AF65-F5344CB8AC3E}">
@@ -13834,6 +13927,107 @@
 </file>
 
 <file path=ppt/slides/slide4.xml><?xml version="1.0" encoding="utf-8"?>
+<p:sld xmlns:a="http://schemas.openxmlformats.org/drawingml/2006/main" xmlns:r="http://schemas.openxmlformats.org/officeDocument/2006/relationships" xmlns:p="http://schemas.openxmlformats.org/presentationml/2006/main">
+  <p:cSld>
+    <p:spTree>
+      <p:nvGrpSpPr>
+        <p:cNvPr id="1" name=""/>
+        <p:cNvGrpSpPr/>
+        <p:nvPr/>
+      </p:nvGrpSpPr>
+      <p:grpSpPr>
+        <a:xfrm>
+          <a:off x="0" y="0"/>
+          <a:ext cx="0" cy="0"/>
+          <a:chOff x="0" y="0"/>
+          <a:chExt cx="0" cy="0"/>
+        </a:xfrm>
+      </p:grpSpPr>
+      <p:pic>
+        <p:nvPicPr>
+          <p:cNvPr id="6" name="Picture 5">
+            <a:extLst>
+              <a:ext uri="{FF2B5EF4-FFF2-40B4-BE49-F238E27FC236}">
+                <a16:creationId xmlns:a16="http://schemas.microsoft.com/office/drawing/2014/main" id="{FCBCB381-7B6C-4CDB-96E3-4AE39CFD3E40}"/>
+              </a:ext>
+            </a:extLst>
+          </p:cNvPr>
+          <p:cNvPicPr>
+            <a:picLocks noChangeAspect="1"/>
+          </p:cNvPicPr>
+          <p:nvPr/>
+        </p:nvPicPr>
+        <p:blipFill>
+          <a:blip r:embed="rId2">
+            <a:extLst>
+              <a:ext uri="{28A0092B-C50C-407E-A947-70E740481C1C}">
+                <a14:useLocalDpi xmlns:a14="http://schemas.microsoft.com/office/drawing/2010/main" val="0"/>
+              </a:ext>
+            </a:extLst>
+          </a:blip>
+          <a:stretch>
+            <a:fillRect/>
+          </a:stretch>
+        </p:blipFill>
+        <p:spPr>
+          <a:xfrm>
+            <a:off x="6407435" y="877396"/>
+            <a:ext cx="3721170" cy="5398176"/>
+          </a:xfrm>
+          <a:prstGeom prst="rect">
+            <a:avLst/>
+          </a:prstGeom>
+        </p:spPr>
+      </p:pic>
+      <p:sp>
+        <p:nvSpPr>
+          <p:cNvPr id="10" name="Title 3">
+            <a:extLst>
+              <a:ext uri="{FF2B5EF4-FFF2-40B4-BE49-F238E27FC236}">
+                <a16:creationId xmlns:a16="http://schemas.microsoft.com/office/drawing/2014/main" id="{87919851-82B4-45E3-888F-E0C4A9B92979}"/>
+              </a:ext>
+            </a:extLst>
+          </p:cNvPr>
+          <p:cNvSpPr>
+            <a:spLocks noGrp="1"/>
+          </p:cNvSpPr>
+          <p:nvPr>
+            <p:ph type="title"/>
+          </p:nvPr>
+        </p:nvSpPr>
+        <p:spPr>
+          <a:xfrm>
+            <a:off x="1070736" y="1867766"/>
+            <a:ext cx="4713830" cy="1735667"/>
+          </a:xfrm>
+        </p:spPr>
+        <p:txBody>
+          <a:bodyPr>
+            <a:normAutofit/>
+          </a:bodyPr>
+          <a:lstStyle/>
+          <a:p>
+            <a:r>
+              <a:rPr lang="en-US" sz="4000" b="1" u="sng" dirty="0"/>
+              <a:t>Architecture</a:t>
+            </a:r>
+          </a:p>
+        </p:txBody>
+      </p:sp>
+    </p:spTree>
+    <p:extLst>
+      <p:ext uri="{BB962C8B-B14F-4D97-AF65-F5344CB8AC3E}">
+        <p14:creationId xmlns:p14="http://schemas.microsoft.com/office/powerpoint/2010/main" val="2777542561"/>
+      </p:ext>
+    </p:extLst>
+  </p:cSld>
+  <p:clrMapOvr>
+    <a:masterClrMapping/>
+  </p:clrMapOvr>
+</p:sld>
+</file>
+
+<file path=ppt/slides/slide5.xml><?xml version="1.0" encoding="utf-8"?>
 <p:sld xmlns:a="http://schemas.openxmlformats.org/drawingml/2006/main" xmlns:r="http://schemas.openxmlformats.org/officeDocument/2006/relationships" xmlns:p="http://schemas.openxmlformats.org/presentationml/2006/main">
   <p:cSld>
     <p:spTree>
@@ -14011,6 +14205,44 @@
           </a:extLst>
         </p:spPr>
       </p:pic>
+      <p:sp>
+        <p:nvSpPr>
+          <p:cNvPr id="5" name="Rectangle 4">
+            <a:extLst>
+              <a:ext uri="{FF2B5EF4-FFF2-40B4-BE49-F238E27FC236}">
+                <a16:creationId xmlns:a16="http://schemas.microsoft.com/office/drawing/2014/main" id="{4D587F3F-F74F-4DD7-9214-C964E0C3BD65}"/>
+              </a:ext>
+            </a:extLst>
+          </p:cNvPr>
+          <p:cNvSpPr/>
+          <p:nvPr/>
+        </p:nvSpPr>
+        <p:spPr>
+          <a:xfrm>
+            <a:off x="5722455" y="6458988"/>
+            <a:ext cx="6836228" cy="307777"/>
+          </a:xfrm>
+          <a:prstGeom prst="rect">
+            <a:avLst/>
+          </a:prstGeom>
+        </p:spPr>
+        <p:txBody>
+          <a:bodyPr wrap="square">
+            <a:spAutoFit/>
+          </a:bodyPr>
+          <a:lstStyle/>
+          <a:p>
+            <a:r>
+              <a:rPr lang="en-US" sz="1400" b="1" i="1" dirty="0" err="1"/>
+              <a:t>Github</a:t>
+            </a:r>
+            <a:r>
+              <a:rPr lang="en-US" sz="1400" b="1" i="1" dirty="0"/>
+              <a:t>: https://github.com/josephkniest/ready-hacker-one-web-service</a:t>
+            </a:r>
+          </a:p>
+        </p:txBody>
+      </p:sp>
     </p:spTree>
     <p:extLst>
       <p:ext uri="{BB962C8B-B14F-4D97-AF65-F5344CB8AC3E}">
@@ -14024,7 +14256,7 @@
 </p:sld>
 </file>
 
-<file path=ppt/slides/slide5.xml><?xml version="1.0" encoding="utf-8"?>
+<file path=ppt/slides/slide6.xml><?xml version="1.0" encoding="utf-8"?>
 <p:sld xmlns:a="http://schemas.openxmlformats.org/drawingml/2006/main" xmlns:r="http://schemas.openxmlformats.org/officeDocument/2006/relationships" xmlns:p="http://schemas.openxmlformats.org/presentationml/2006/main">
   <p:cSld>
     <p:spTree>

--- a/presentation.pptx
+++ b/presentation.pptx
@@ -452,7 +452,7 @@
           <a:p>
             <a:fld id="{B7219623-745A-4F10-8D04-83D36EEC96D6}" type="datetimeFigureOut">
               <a:rPr lang="en-US" smtClean="0"/>
-              <a:t>07/01/18</a:t>
+              <a:t>07/03/18</a:t>
             </a:fld>
             <a:endParaRPr lang="en-US"/>
           </a:p>
@@ -1540,7 +1540,7 @@
           <a:p>
             <a:fld id="{B7219623-745A-4F10-8D04-83D36EEC96D6}" type="datetimeFigureOut">
               <a:rPr lang="en-US" smtClean="0"/>
-              <a:t>07/01/18</a:t>
+              <a:t>07/03/18</a:t>
             </a:fld>
             <a:endParaRPr lang="en-US"/>
           </a:p>
@@ -2520,7 +2520,7 @@
           <a:p>
             <a:fld id="{B7219623-745A-4F10-8D04-83D36EEC96D6}" type="datetimeFigureOut">
               <a:rPr lang="en-US" smtClean="0"/>
-              <a:t>07/01/18</a:t>
+              <a:t>07/03/18</a:t>
             </a:fld>
             <a:endParaRPr lang="en-US"/>
           </a:p>
@@ -3654,7 +3654,7 @@
           <a:p>
             <a:fld id="{B7219623-745A-4F10-8D04-83D36EEC96D6}" type="datetimeFigureOut">
               <a:rPr lang="en-US" smtClean="0"/>
-              <a:t>07/01/18</a:t>
+              <a:t>07/03/18</a:t>
             </a:fld>
             <a:endParaRPr lang="en-US"/>
           </a:p>
@@ -4687,7 +4687,7 @@
           <a:p>
             <a:fld id="{B7219623-745A-4F10-8D04-83D36EEC96D6}" type="datetimeFigureOut">
               <a:rPr lang="en-US" smtClean="0"/>
-              <a:t>07/01/18</a:t>
+              <a:t>07/03/18</a:t>
             </a:fld>
             <a:endParaRPr lang="en-US"/>
           </a:p>
@@ -5347,7 +5347,7 @@
           <a:p>
             <a:fld id="{B7219623-745A-4F10-8D04-83D36EEC96D6}" type="datetimeFigureOut">
               <a:rPr lang="en-US" smtClean="0"/>
-              <a:t>07/01/18</a:t>
+              <a:t>07/03/18</a:t>
             </a:fld>
             <a:endParaRPr lang="en-US"/>
           </a:p>
@@ -6208,7 +6208,7 @@
           <a:p>
             <a:fld id="{B7219623-745A-4F10-8D04-83D36EEC96D6}" type="datetimeFigureOut">
               <a:rPr lang="en-US" smtClean="0"/>
-              <a:t>07/01/18</a:t>
+              <a:t>07/03/18</a:t>
             </a:fld>
             <a:endParaRPr lang="en-US"/>
           </a:p>
@@ -6398,7 +6398,7 @@
           <a:p>
             <a:fld id="{B7219623-745A-4F10-8D04-83D36EEC96D6}" type="datetimeFigureOut">
               <a:rPr lang="en-US" smtClean="0"/>
-              <a:t>07/01/18</a:t>
+              <a:t>07/03/18</a:t>
             </a:fld>
             <a:endParaRPr lang="en-US"/>
           </a:p>
@@ -7370,7 +7370,7 @@
           <a:p>
             <a:fld id="{B7219623-745A-4F10-8D04-83D36EEC96D6}" type="datetimeFigureOut">
               <a:rPr lang="en-US" smtClean="0"/>
-              <a:t>07/01/18</a:t>
+              <a:t>07/03/18</a:t>
             </a:fld>
             <a:endParaRPr lang="en-US"/>
           </a:p>
@@ -7581,7 +7581,7 @@
           <a:p>
             <a:fld id="{B7219623-745A-4F10-8D04-83D36EEC96D6}" type="datetimeFigureOut">
               <a:rPr lang="en-US" smtClean="0"/>
-              <a:t>07/01/18</a:t>
+              <a:t>07/03/18</a:t>
             </a:fld>
             <a:endParaRPr lang="en-US"/>
           </a:p>
@@ -8615,7 +8615,7 @@
           <a:p>
             <a:fld id="{B7219623-745A-4F10-8D04-83D36EEC96D6}" type="datetimeFigureOut">
               <a:rPr lang="en-US" smtClean="0"/>
-              <a:t>07/01/18</a:t>
+              <a:t>07/03/18</a:t>
             </a:fld>
             <a:endParaRPr lang="en-US"/>
           </a:p>
@@ -8887,7 +8887,7 @@
           <a:p>
             <a:fld id="{B7219623-745A-4F10-8D04-83D36EEC96D6}" type="datetimeFigureOut">
               <a:rPr lang="en-US" smtClean="0"/>
-              <a:t>07/01/18</a:t>
+              <a:t>07/03/18</a:t>
             </a:fld>
             <a:endParaRPr lang="en-US"/>
           </a:p>
@@ -9297,7 +9297,7 @@
           <a:p>
             <a:fld id="{B7219623-745A-4F10-8D04-83D36EEC96D6}" type="datetimeFigureOut">
               <a:rPr lang="en-US" smtClean="0"/>
-              <a:t>07/01/18</a:t>
+              <a:t>07/03/18</a:t>
             </a:fld>
             <a:endParaRPr lang="en-US"/>
           </a:p>
@@ -9424,7 +9424,7 @@
           <a:p>
             <a:fld id="{B7219623-745A-4F10-8D04-83D36EEC96D6}" type="datetimeFigureOut">
               <a:rPr lang="en-US" smtClean="0"/>
-              <a:t>07/01/18</a:t>
+              <a:t>07/03/18</a:t>
             </a:fld>
             <a:endParaRPr lang="en-US"/>
           </a:p>
@@ -9519,7 +9519,7 @@
           <a:p>
             <a:fld id="{B7219623-745A-4F10-8D04-83D36EEC96D6}" type="datetimeFigureOut">
               <a:rPr lang="en-US" smtClean="0"/>
-              <a:t>07/01/18</a:t>
+              <a:t>07/03/18</a:t>
             </a:fld>
             <a:endParaRPr lang="en-US"/>
           </a:p>
@@ -10600,7 +10600,7 @@
           <a:p>
             <a:fld id="{B7219623-745A-4F10-8D04-83D36EEC96D6}" type="datetimeFigureOut">
               <a:rPr lang="en-US" smtClean="0"/>
-              <a:t>07/01/18</a:t>
+              <a:t>07/03/18</a:t>
             </a:fld>
             <a:endParaRPr lang="en-US"/>
           </a:p>
@@ -11708,7 +11708,7 @@
           <a:p>
             <a:fld id="{B7219623-745A-4F10-8D04-83D36EEC96D6}" type="datetimeFigureOut">
               <a:rPr lang="en-US" smtClean="0"/>
-              <a:t>07/01/18</a:t>
+              <a:t>07/03/18</a:t>
             </a:fld>
             <a:endParaRPr lang="en-US"/>
           </a:p>
@@ -12705,7 +12705,7 @@
           <a:p>
             <a:fld id="{B7219623-745A-4F10-8D04-83D36EEC96D6}" type="datetimeFigureOut">
               <a:rPr lang="en-US" smtClean="0"/>
-              <a:t>07/01/18</a:t>
+              <a:t>07/03/18</a:t>
             </a:fld>
             <a:endParaRPr lang="en-US"/>
           </a:p>
@@ -13282,8 +13282,8 @@
         </p:nvSpPr>
         <p:spPr>
           <a:xfrm>
-            <a:off x="714894" y="2656685"/>
-            <a:ext cx="8825658" cy="2677648"/>
+            <a:off x="714893" y="2656685"/>
+            <a:ext cx="9883833" cy="2677648"/>
           </a:xfrm>
         </p:spPr>
         <p:txBody>
@@ -13292,7 +13292,7 @@
           <a:p>
             <a:r>
               <a:rPr lang="en-US" sz="4400" b="1" dirty="0"/>
-              <a:t>Ready Hack One Web Service</a:t>
+              <a:t>Ready Hacker One Web Service</a:t>
             </a:r>
           </a:p>
         </p:txBody>
@@ -14010,6 +14010,44 @@
             <a:r>
               <a:rPr lang="en-US" sz="4000" b="1" u="sng" dirty="0"/>
               <a:t>Architecture</a:t>
+            </a:r>
+          </a:p>
+        </p:txBody>
+      </p:sp>
+      <p:sp>
+        <p:nvSpPr>
+          <p:cNvPr id="4" name="Rectangle 3">
+            <a:extLst>
+              <a:ext uri="{FF2B5EF4-FFF2-40B4-BE49-F238E27FC236}">
+                <a16:creationId xmlns:a16="http://schemas.microsoft.com/office/drawing/2014/main" id="{43526721-EE9D-4843-BE40-06864699AC80}"/>
+              </a:ext>
+            </a:extLst>
+          </p:cNvPr>
+          <p:cNvSpPr/>
+          <p:nvPr/>
+        </p:nvSpPr>
+        <p:spPr>
+          <a:xfrm>
+            <a:off x="5614892" y="6475613"/>
+            <a:ext cx="6836228" cy="307777"/>
+          </a:xfrm>
+          <a:prstGeom prst="rect">
+            <a:avLst/>
+          </a:prstGeom>
+        </p:spPr>
+        <p:txBody>
+          <a:bodyPr wrap="square">
+            <a:spAutoFit/>
+          </a:bodyPr>
+          <a:lstStyle/>
+          <a:p>
+            <a:r>
+              <a:rPr lang="en-US" sz="1400" b="1" i="1" dirty="0" err="1"/>
+              <a:t>Github</a:t>
+            </a:r>
+            <a:r>
+              <a:rPr lang="en-US" sz="1400" b="1" i="1" dirty="0"/>
+              <a:t>: https://github.com/josephkniest/ready-hacker-one-web-service</a:t>
             </a:r>
           </a:p>
         </p:txBody>
